--- a/ppt 16-9/1363.妇人焉能忘记.pptx
+++ b/ppt 16-9/1363.妇人焉能忘记.pptx
@@ -5,7 +5,7 @@
     <p:sldMasterId id="2147483648" r:id="rId1"/>
   </p:sldMasterIdLst>
   <p:sldIdLst>
-    <p:sldId id="929" r:id="rId2"/>
+    <p:sldId id="930" r:id="rId2"/>
   </p:sldIdLst>
   <p:sldSz cx="12192000" cy="6858000"/>
   <p:notesSz cx="6858000" cy="9144000"/>
@@ -129,7 +129,7 @@
           <p:cNvPr id="2" name="标题 1">
             <a:extLst>
               <a:ext uri="{FF2B5EF4-FFF2-40B4-BE49-F238E27FC236}">
-                <a16:creationId xmlns:a16="http://schemas.microsoft.com/office/drawing/2014/main" id="{DB104F8C-2F8D-1046-C440-0985127543B6}"/>
+                <a16:creationId xmlns:a16="http://schemas.microsoft.com/office/drawing/2014/main" id="{06EEB3E8-F949-764B-BD9C-D4B9ABB064AA}"/>
               </a:ext>
             </a:extLst>
           </p:cNvPr>
@@ -166,7 +166,7 @@
           <p:cNvPr id="3" name="副标题 2">
             <a:extLst>
               <a:ext uri="{FF2B5EF4-FFF2-40B4-BE49-F238E27FC236}">
-                <a16:creationId xmlns:a16="http://schemas.microsoft.com/office/drawing/2014/main" id="{CF9E48D2-4102-4990-6F81-4E0E433BD2BE}"/>
+                <a16:creationId xmlns:a16="http://schemas.microsoft.com/office/drawing/2014/main" id="{D15EE911-CF1C-B97F-6B9D-CA622A6CFCE0}"/>
               </a:ext>
             </a:extLst>
           </p:cNvPr>
@@ -236,7 +236,7 @@
           <p:cNvPr id="4" name="日期占位符 3">
             <a:extLst>
               <a:ext uri="{FF2B5EF4-FFF2-40B4-BE49-F238E27FC236}">
-                <a16:creationId xmlns:a16="http://schemas.microsoft.com/office/drawing/2014/main" id="{7181DE06-7533-B5E6-5B24-FFD4085252AB}"/>
+                <a16:creationId xmlns:a16="http://schemas.microsoft.com/office/drawing/2014/main" id="{5443CC81-FC02-173B-10BC-E41183812BA4}"/>
               </a:ext>
             </a:extLst>
           </p:cNvPr>
@@ -252,7 +252,7 @@
           <a:bodyPr/>
           <a:lstStyle/>
           <a:p>
-            <a:fld id="{3438E51F-98FD-4F6E-ACBF-8DAC64F478E7}" type="datetimeFigureOut">
+            <a:fld id="{54A779CF-9B85-4C44-B178-D08C0B0C92AC}" type="datetimeFigureOut">
               <a:rPr lang="zh-CN" altLang="en-US" smtClean="0"/>
               <a:t>2024/3/10</a:t>
             </a:fld>
@@ -265,7 +265,7 @@
           <p:cNvPr id="5" name="页脚占位符 4">
             <a:extLst>
               <a:ext uri="{FF2B5EF4-FFF2-40B4-BE49-F238E27FC236}">
-                <a16:creationId xmlns:a16="http://schemas.microsoft.com/office/drawing/2014/main" id="{DFA5F536-CE00-4CC3-81A9-B8DBA4794E43}"/>
+                <a16:creationId xmlns:a16="http://schemas.microsoft.com/office/drawing/2014/main" id="{6AA5256F-5FA1-36C6-372A-9B9B1A3E7B53}"/>
               </a:ext>
             </a:extLst>
           </p:cNvPr>
@@ -290,7 +290,7 @@
           <p:cNvPr id="6" name="灯片编号占位符 5">
             <a:extLst>
               <a:ext uri="{FF2B5EF4-FFF2-40B4-BE49-F238E27FC236}">
-                <a16:creationId xmlns:a16="http://schemas.microsoft.com/office/drawing/2014/main" id="{B2B52AB5-E1D3-3ABE-E216-E24A00F9DEB1}"/>
+                <a16:creationId xmlns:a16="http://schemas.microsoft.com/office/drawing/2014/main" id="{AE12522E-E972-9959-0F84-6E2FF18E4AEC}"/>
               </a:ext>
             </a:extLst>
           </p:cNvPr>
@@ -306,7 +306,7 @@
           <a:bodyPr/>
           <a:lstStyle/>
           <a:p>
-            <a:fld id="{DAD419E4-A7F1-4E19-ABEA-FB87B111D958}" type="slidenum">
+            <a:fld id="{951CEDFA-2EB2-4D4D-A0DB-D74394BBAD23}" type="slidenum">
               <a:rPr lang="zh-CN" altLang="en-US" smtClean="0"/>
               <a:t>‹#›</a:t>
             </a:fld>
@@ -317,7 +317,7 @@
     </p:spTree>
     <p:extLst>
       <p:ext uri="{BB962C8B-B14F-4D97-AF65-F5344CB8AC3E}">
-        <p14:creationId xmlns:p14="http://schemas.microsoft.com/office/powerpoint/2010/main" val="3876998263"/>
+        <p14:creationId xmlns:p14="http://schemas.microsoft.com/office/powerpoint/2010/main" val="3109504316"/>
       </p:ext>
     </p:extLst>
   </p:cSld>
@@ -349,7 +349,7 @@
           <p:cNvPr id="2" name="标题 1">
             <a:extLst>
               <a:ext uri="{FF2B5EF4-FFF2-40B4-BE49-F238E27FC236}">
-                <a16:creationId xmlns:a16="http://schemas.microsoft.com/office/drawing/2014/main" id="{855930CB-14F3-F5F4-159C-1F6C45D11A69}"/>
+                <a16:creationId xmlns:a16="http://schemas.microsoft.com/office/drawing/2014/main" id="{D3F7BEA7-D932-9AB4-CB20-79E5F95C461E}"/>
               </a:ext>
             </a:extLst>
           </p:cNvPr>
@@ -377,7 +377,7 @@
           <p:cNvPr id="3" name="竖排文字占位符 2">
             <a:extLst>
               <a:ext uri="{FF2B5EF4-FFF2-40B4-BE49-F238E27FC236}">
-                <a16:creationId xmlns:a16="http://schemas.microsoft.com/office/drawing/2014/main" id="{CC8E0BA9-6726-E1A5-039C-06D65D45F918}"/>
+                <a16:creationId xmlns:a16="http://schemas.microsoft.com/office/drawing/2014/main" id="{A1B1AC47-33A3-DEEE-4641-4E4882484317}"/>
               </a:ext>
             </a:extLst>
           </p:cNvPr>
@@ -434,7 +434,7 @@
           <p:cNvPr id="4" name="日期占位符 3">
             <a:extLst>
               <a:ext uri="{FF2B5EF4-FFF2-40B4-BE49-F238E27FC236}">
-                <a16:creationId xmlns:a16="http://schemas.microsoft.com/office/drawing/2014/main" id="{37F2EA00-C69A-C8AA-471A-92895B93FD35}"/>
+                <a16:creationId xmlns:a16="http://schemas.microsoft.com/office/drawing/2014/main" id="{C18EF30E-0E90-5164-67BF-92153605E2BC}"/>
               </a:ext>
             </a:extLst>
           </p:cNvPr>
@@ -450,7 +450,7 @@
           <a:bodyPr/>
           <a:lstStyle/>
           <a:p>
-            <a:fld id="{3438E51F-98FD-4F6E-ACBF-8DAC64F478E7}" type="datetimeFigureOut">
+            <a:fld id="{54A779CF-9B85-4C44-B178-D08C0B0C92AC}" type="datetimeFigureOut">
               <a:rPr lang="zh-CN" altLang="en-US" smtClean="0"/>
               <a:t>2024/3/10</a:t>
             </a:fld>
@@ -463,7 +463,7 @@
           <p:cNvPr id="5" name="页脚占位符 4">
             <a:extLst>
               <a:ext uri="{FF2B5EF4-FFF2-40B4-BE49-F238E27FC236}">
-                <a16:creationId xmlns:a16="http://schemas.microsoft.com/office/drawing/2014/main" id="{1E9F8EDE-7A31-444F-E5E2-D5693A35CFEE}"/>
+                <a16:creationId xmlns:a16="http://schemas.microsoft.com/office/drawing/2014/main" id="{6C1A337F-B9EC-D222-C497-252FD402BABE}"/>
               </a:ext>
             </a:extLst>
           </p:cNvPr>
@@ -488,7 +488,7 @@
           <p:cNvPr id="6" name="灯片编号占位符 5">
             <a:extLst>
               <a:ext uri="{FF2B5EF4-FFF2-40B4-BE49-F238E27FC236}">
-                <a16:creationId xmlns:a16="http://schemas.microsoft.com/office/drawing/2014/main" id="{55AC2AA3-DD81-E17A-1907-6B2ACE52BDE6}"/>
+                <a16:creationId xmlns:a16="http://schemas.microsoft.com/office/drawing/2014/main" id="{9982A8E6-631F-6D26-66A2-4A7CA79E9249}"/>
               </a:ext>
             </a:extLst>
           </p:cNvPr>
@@ -504,7 +504,7 @@
           <a:bodyPr/>
           <a:lstStyle/>
           <a:p>
-            <a:fld id="{DAD419E4-A7F1-4E19-ABEA-FB87B111D958}" type="slidenum">
+            <a:fld id="{951CEDFA-2EB2-4D4D-A0DB-D74394BBAD23}" type="slidenum">
               <a:rPr lang="zh-CN" altLang="en-US" smtClean="0"/>
               <a:t>‹#›</a:t>
             </a:fld>
@@ -515,7 +515,7 @@
     </p:spTree>
     <p:extLst>
       <p:ext uri="{BB962C8B-B14F-4D97-AF65-F5344CB8AC3E}">
-        <p14:creationId xmlns:p14="http://schemas.microsoft.com/office/powerpoint/2010/main" val="3942809268"/>
+        <p14:creationId xmlns:p14="http://schemas.microsoft.com/office/powerpoint/2010/main" val="4053770070"/>
       </p:ext>
     </p:extLst>
   </p:cSld>
@@ -547,7 +547,7 @@
           <p:cNvPr id="2" name="竖排标题 1">
             <a:extLst>
               <a:ext uri="{FF2B5EF4-FFF2-40B4-BE49-F238E27FC236}">
-                <a16:creationId xmlns:a16="http://schemas.microsoft.com/office/drawing/2014/main" id="{C7D0BADD-5FE6-0ACF-A760-FCB1C5349333}"/>
+                <a16:creationId xmlns:a16="http://schemas.microsoft.com/office/drawing/2014/main" id="{3749E487-4720-6ADE-4F74-3D589EFFBC0F}"/>
               </a:ext>
             </a:extLst>
           </p:cNvPr>
@@ -580,7 +580,7 @@
           <p:cNvPr id="3" name="竖排文字占位符 2">
             <a:extLst>
               <a:ext uri="{FF2B5EF4-FFF2-40B4-BE49-F238E27FC236}">
-                <a16:creationId xmlns:a16="http://schemas.microsoft.com/office/drawing/2014/main" id="{42E1B056-C02F-5081-C1E5-68662BFCC4F1}"/>
+                <a16:creationId xmlns:a16="http://schemas.microsoft.com/office/drawing/2014/main" id="{5AC4CF83-826E-8406-DF17-A60FF2217A9C}"/>
               </a:ext>
             </a:extLst>
           </p:cNvPr>
@@ -642,7 +642,7 @@
           <p:cNvPr id="4" name="日期占位符 3">
             <a:extLst>
               <a:ext uri="{FF2B5EF4-FFF2-40B4-BE49-F238E27FC236}">
-                <a16:creationId xmlns:a16="http://schemas.microsoft.com/office/drawing/2014/main" id="{3F7DBD10-1525-9204-2F12-260BC8CD07BB}"/>
+                <a16:creationId xmlns:a16="http://schemas.microsoft.com/office/drawing/2014/main" id="{5E58ECE4-761D-4432-0D55-503789710ED1}"/>
               </a:ext>
             </a:extLst>
           </p:cNvPr>
@@ -658,7 +658,7 @@
           <a:bodyPr/>
           <a:lstStyle/>
           <a:p>
-            <a:fld id="{3438E51F-98FD-4F6E-ACBF-8DAC64F478E7}" type="datetimeFigureOut">
+            <a:fld id="{54A779CF-9B85-4C44-B178-D08C0B0C92AC}" type="datetimeFigureOut">
               <a:rPr lang="zh-CN" altLang="en-US" smtClean="0"/>
               <a:t>2024/3/10</a:t>
             </a:fld>
@@ -671,7 +671,7 @@
           <p:cNvPr id="5" name="页脚占位符 4">
             <a:extLst>
               <a:ext uri="{FF2B5EF4-FFF2-40B4-BE49-F238E27FC236}">
-                <a16:creationId xmlns:a16="http://schemas.microsoft.com/office/drawing/2014/main" id="{CDE8C253-4E08-8077-F452-F3A6F574006F}"/>
+                <a16:creationId xmlns:a16="http://schemas.microsoft.com/office/drawing/2014/main" id="{B3708E49-8D22-C22C-5B68-D491E404CA77}"/>
               </a:ext>
             </a:extLst>
           </p:cNvPr>
@@ -696,7 +696,7 @@
           <p:cNvPr id="6" name="灯片编号占位符 5">
             <a:extLst>
               <a:ext uri="{FF2B5EF4-FFF2-40B4-BE49-F238E27FC236}">
-                <a16:creationId xmlns:a16="http://schemas.microsoft.com/office/drawing/2014/main" id="{67816A36-9419-4C78-84B3-D96DA545B870}"/>
+                <a16:creationId xmlns:a16="http://schemas.microsoft.com/office/drawing/2014/main" id="{72E42829-913B-ECE3-CDFB-B88C7C9EBF29}"/>
               </a:ext>
             </a:extLst>
           </p:cNvPr>
@@ -712,7 +712,7 @@
           <a:bodyPr/>
           <a:lstStyle/>
           <a:p>
-            <a:fld id="{DAD419E4-A7F1-4E19-ABEA-FB87B111D958}" type="slidenum">
+            <a:fld id="{951CEDFA-2EB2-4D4D-A0DB-D74394BBAD23}" type="slidenum">
               <a:rPr lang="zh-CN" altLang="en-US" smtClean="0"/>
               <a:t>‹#›</a:t>
             </a:fld>
@@ -723,7 +723,7 @@
     </p:spTree>
     <p:extLst>
       <p:ext uri="{BB962C8B-B14F-4D97-AF65-F5344CB8AC3E}">
-        <p14:creationId xmlns:p14="http://schemas.microsoft.com/office/powerpoint/2010/main" val="159589672"/>
+        <p14:creationId xmlns:p14="http://schemas.microsoft.com/office/powerpoint/2010/main" val="612518087"/>
       </p:ext>
     </p:extLst>
   </p:cSld>
@@ -755,7 +755,7 @@
           <p:cNvPr id="2" name="标题 1">
             <a:extLst>
               <a:ext uri="{FF2B5EF4-FFF2-40B4-BE49-F238E27FC236}">
-                <a16:creationId xmlns:a16="http://schemas.microsoft.com/office/drawing/2014/main" id="{107DB2CB-7105-E950-0D28-CD2DBF57C7B5}"/>
+                <a16:creationId xmlns:a16="http://schemas.microsoft.com/office/drawing/2014/main" id="{713AAE56-5FB0-C714-6DFD-E03AF7F36652}"/>
               </a:ext>
             </a:extLst>
           </p:cNvPr>
@@ -783,7 +783,7 @@
           <p:cNvPr id="3" name="内容占位符 2">
             <a:extLst>
               <a:ext uri="{FF2B5EF4-FFF2-40B4-BE49-F238E27FC236}">
-                <a16:creationId xmlns:a16="http://schemas.microsoft.com/office/drawing/2014/main" id="{6BF5C53A-BB79-F057-CCAE-30DCAE86B227}"/>
+                <a16:creationId xmlns:a16="http://schemas.microsoft.com/office/drawing/2014/main" id="{0278338A-B801-94E5-3B3B-03D5B7F86D04}"/>
               </a:ext>
             </a:extLst>
           </p:cNvPr>
@@ -840,7 +840,7 @@
           <p:cNvPr id="4" name="日期占位符 3">
             <a:extLst>
               <a:ext uri="{FF2B5EF4-FFF2-40B4-BE49-F238E27FC236}">
-                <a16:creationId xmlns:a16="http://schemas.microsoft.com/office/drawing/2014/main" id="{E69A25FC-DB0A-B504-1463-6440B521F639}"/>
+                <a16:creationId xmlns:a16="http://schemas.microsoft.com/office/drawing/2014/main" id="{3B4114E7-1EB8-5671-FB7C-A545C94C0825}"/>
               </a:ext>
             </a:extLst>
           </p:cNvPr>
@@ -856,7 +856,7 @@
           <a:bodyPr/>
           <a:lstStyle/>
           <a:p>
-            <a:fld id="{3438E51F-98FD-4F6E-ACBF-8DAC64F478E7}" type="datetimeFigureOut">
+            <a:fld id="{54A779CF-9B85-4C44-B178-D08C0B0C92AC}" type="datetimeFigureOut">
               <a:rPr lang="zh-CN" altLang="en-US" smtClean="0"/>
               <a:t>2024/3/10</a:t>
             </a:fld>
@@ -869,7 +869,7 @@
           <p:cNvPr id="5" name="页脚占位符 4">
             <a:extLst>
               <a:ext uri="{FF2B5EF4-FFF2-40B4-BE49-F238E27FC236}">
-                <a16:creationId xmlns:a16="http://schemas.microsoft.com/office/drawing/2014/main" id="{4CA48197-ECD4-37EE-05FF-FD81A9211EBA}"/>
+                <a16:creationId xmlns:a16="http://schemas.microsoft.com/office/drawing/2014/main" id="{46A3E996-1A0D-2E1D-64A7-C8236D5E5C4F}"/>
               </a:ext>
             </a:extLst>
           </p:cNvPr>
@@ -894,7 +894,7 @@
           <p:cNvPr id="6" name="灯片编号占位符 5">
             <a:extLst>
               <a:ext uri="{FF2B5EF4-FFF2-40B4-BE49-F238E27FC236}">
-                <a16:creationId xmlns:a16="http://schemas.microsoft.com/office/drawing/2014/main" id="{D82ACF25-BC54-AC6A-8FF8-AC7130F953E6}"/>
+                <a16:creationId xmlns:a16="http://schemas.microsoft.com/office/drawing/2014/main" id="{3BB0C382-D388-A863-AB92-025AE75DDF0F}"/>
               </a:ext>
             </a:extLst>
           </p:cNvPr>
@@ -910,7 +910,7 @@
           <a:bodyPr/>
           <a:lstStyle/>
           <a:p>
-            <a:fld id="{DAD419E4-A7F1-4E19-ABEA-FB87B111D958}" type="slidenum">
+            <a:fld id="{951CEDFA-2EB2-4D4D-A0DB-D74394BBAD23}" type="slidenum">
               <a:rPr lang="zh-CN" altLang="en-US" smtClean="0"/>
               <a:t>‹#›</a:t>
             </a:fld>
@@ -921,7 +921,7 @@
     </p:spTree>
     <p:extLst>
       <p:ext uri="{BB962C8B-B14F-4D97-AF65-F5344CB8AC3E}">
-        <p14:creationId xmlns:p14="http://schemas.microsoft.com/office/powerpoint/2010/main" val="2377782813"/>
+        <p14:creationId xmlns:p14="http://schemas.microsoft.com/office/powerpoint/2010/main" val="3755821477"/>
       </p:ext>
     </p:extLst>
   </p:cSld>
@@ -953,7 +953,7 @@
           <p:cNvPr id="2" name="标题 1">
             <a:extLst>
               <a:ext uri="{FF2B5EF4-FFF2-40B4-BE49-F238E27FC236}">
-                <a16:creationId xmlns:a16="http://schemas.microsoft.com/office/drawing/2014/main" id="{0BF476E2-6C66-013D-ED67-CEAF2AF92E7E}"/>
+                <a16:creationId xmlns:a16="http://schemas.microsoft.com/office/drawing/2014/main" id="{7034F857-9EA6-DCFC-8458-6C7A0A6BB5FC}"/>
               </a:ext>
             </a:extLst>
           </p:cNvPr>
@@ -990,7 +990,7 @@
           <p:cNvPr id="3" name="文本占位符 2">
             <a:extLst>
               <a:ext uri="{FF2B5EF4-FFF2-40B4-BE49-F238E27FC236}">
-                <a16:creationId xmlns:a16="http://schemas.microsoft.com/office/drawing/2014/main" id="{ACBBA4A1-4D4B-B1F9-19C5-C4AD1251019A}"/>
+                <a16:creationId xmlns:a16="http://schemas.microsoft.com/office/drawing/2014/main" id="{9AE99053-7989-AEFC-F415-5EFC9D429A65}"/>
               </a:ext>
             </a:extLst>
           </p:cNvPr>
@@ -1115,7 +1115,7 @@
           <p:cNvPr id="4" name="日期占位符 3">
             <a:extLst>
               <a:ext uri="{FF2B5EF4-FFF2-40B4-BE49-F238E27FC236}">
-                <a16:creationId xmlns:a16="http://schemas.microsoft.com/office/drawing/2014/main" id="{EAF15F07-B521-706F-B031-04F71C334F52}"/>
+                <a16:creationId xmlns:a16="http://schemas.microsoft.com/office/drawing/2014/main" id="{44B4D090-02FE-DFA9-AEBA-DAC35C666389}"/>
               </a:ext>
             </a:extLst>
           </p:cNvPr>
@@ -1131,7 +1131,7 @@
           <a:bodyPr/>
           <a:lstStyle/>
           <a:p>
-            <a:fld id="{3438E51F-98FD-4F6E-ACBF-8DAC64F478E7}" type="datetimeFigureOut">
+            <a:fld id="{54A779CF-9B85-4C44-B178-D08C0B0C92AC}" type="datetimeFigureOut">
               <a:rPr lang="zh-CN" altLang="en-US" smtClean="0"/>
               <a:t>2024/3/10</a:t>
             </a:fld>
@@ -1144,7 +1144,7 @@
           <p:cNvPr id="5" name="页脚占位符 4">
             <a:extLst>
               <a:ext uri="{FF2B5EF4-FFF2-40B4-BE49-F238E27FC236}">
-                <a16:creationId xmlns:a16="http://schemas.microsoft.com/office/drawing/2014/main" id="{F9C9E3F6-D485-7CCF-A11F-AD3E9D4D1FB2}"/>
+                <a16:creationId xmlns:a16="http://schemas.microsoft.com/office/drawing/2014/main" id="{AB7FBE1F-5CB9-F94E-5B6F-C67D17232E51}"/>
               </a:ext>
             </a:extLst>
           </p:cNvPr>
@@ -1169,7 +1169,7 @@
           <p:cNvPr id="6" name="灯片编号占位符 5">
             <a:extLst>
               <a:ext uri="{FF2B5EF4-FFF2-40B4-BE49-F238E27FC236}">
-                <a16:creationId xmlns:a16="http://schemas.microsoft.com/office/drawing/2014/main" id="{48AD299D-886C-7880-81A1-4DC57030F490}"/>
+                <a16:creationId xmlns:a16="http://schemas.microsoft.com/office/drawing/2014/main" id="{301CE6EF-2347-A7DD-895E-76E65ECC825A}"/>
               </a:ext>
             </a:extLst>
           </p:cNvPr>
@@ -1185,7 +1185,7 @@
           <a:bodyPr/>
           <a:lstStyle/>
           <a:p>
-            <a:fld id="{DAD419E4-A7F1-4E19-ABEA-FB87B111D958}" type="slidenum">
+            <a:fld id="{951CEDFA-2EB2-4D4D-A0DB-D74394BBAD23}" type="slidenum">
               <a:rPr lang="zh-CN" altLang="en-US" smtClean="0"/>
               <a:t>‹#›</a:t>
             </a:fld>
@@ -1196,7 +1196,7 @@
     </p:spTree>
     <p:extLst>
       <p:ext uri="{BB962C8B-B14F-4D97-AF65-F5344CB8AC3E}">
-        <p14:creationId xmlns:p14="http://schemas.microsoft.com/office/powerpoint/2010/main" val="3614886220"/>
+        <p14:creationId xmlns:p14="http://schemas.microsoft.com/office/powerpoint/2010/main" val="2110367011"/>
       </p:ext>
     </p:extLst>
   </p:cSld>
@@ -1228,7 +1228,7 @@
           <p:cNvPr id="2" name="标题 1">
             <a:extLst>
               <a:ext uri="{FF2B5EF4-FFF2-40B4-BE49-F238E27FC236}">
-                <a16:creationId xmlns:a16="http://schemas.microsoft.com/office/drawing/2014/main" id="{B880D2D1-02EE-939E-1F9D-B0903A6E1EB9}"/>
+                <a16:creationId xmlns:a16="http://schemas.microsoft.com/office/drawing/2014/main" id="{701EDF06-C2C9-CB43-0071-C615C3855EDC}"/>
               </a:ext>
             </a:extLst>
           </p:cNvPr>
@@ -1256,7 +1256,7 @@
           <p:cNvPr id="3" name="内容占位符 2">
             <a:extLst>
               <a:ext uri="{FF2B5EF4-FFF2-40B4-BE49-F238E27FC236}">
-                <a16:creationId xmlns:a16="http://schemas.microsoft.com/office/drawing/2014/main" id="{CEC74AF0-3288-BFF0-B4F4-D39F6A82EE4E}"/>
+                <a16:creationId xmlns:a16="http://schemas.microsoft.com/office/drawing/2014/main" id="{4A62E29A-D541-8F3F-241F-837149D9342A}"/>
               </a:ext>
             </a:extLst>
           </p:cNvPr>
@@ -1318,7 +1318,7 @@
           <p:cNvPr id="4" name="内容占位符 3">
             <a:extLst>
               <a:ext uri="{FF2B5EF4-FFF2-40B4-BE49-F238E27FC236}">
-                <a16:creationId xmlns:a16="http://schemas.microsoft.com/office/drawing/2014/main" id="{9F9D8036-D8FE-EEB8-3728-2A39B41FA271}"/>
+                <a16:creationId xmlns:a16="http://schemas.microsoft.com/office/drawing/2014/main" id="{C32AC0A7-0276-7FBE-0C8A-64B159DC90EA}"/>
               </a:ext>
             </a:extLst>
           </p:cNvPr>
@@ -1380,7 +1380,7 @@
           <p:cNvPr id="5" name="日期占位符 4">
             <a:extLst>
               <a:ext uri="{FF2B5EF4-FFF2-40B4-BE49-F238E27FC236}">
-                <a16:creationId xmlns:a16="http://schemas.microsoft.com/office/drawing/2014/main" id="{1435430F-8D4C-BFE9-D6FB-EA5E57FFF5DE}"/>
+                <a16:creationId xmlns:a16="http://schemas.microsoft.com/office/drawing/2014/main" id="{69020589-2879-E8D9-8F69-8C795F6F9EF5}"/>
               </a:ext>
             </a:extLst>
           </p:cNvPr>
@@ -1396,7 +1396,7 @@
           <a:bodyPr/>
           <a:lstStyle/>
           <a:p>
-            <a:fld id="{3438E51F-98FD-4F6E-ACBF-8DAC64F478E7}" type="datetimeFigureOut">
+            <a:fld id="{54A779CF-9B85-4C44-B178-D08C0B0C92AC}" type="datetimeFigureOut">
               <a:rPr lang="zh-CN" altLang="en-US" smtClean="0"/>
               <a:t>2024/3/10</a:t>
             </a:fld>
@@ -1409,7 +1409,7 @@
           <p:cNvPr id="6" name="页脚占位符 5">
             <a:extLst>
               <a:ext uri="{FF2B5EF4-FFF2-40B4-BE49-F238E27FC236}">
-                <a16:creationId xmlns:a16="http://schemas.microsoft.com/office/drawing/2014/main" id="{71D0AF58-871C-DD5B-3D02-7B56F0DD9AF9}"/>
+                <a16:creationId xmlns:a16="http://schemas.microsoft.com/office/drawing/2014/main" id="{33F8C122-C63D-94DA-B007-BCACAAB05415}"/>
               </a:ext>
             </a:extLst>
           </p:cNvPr>
@@ -1434,7 +1434,7 @@
           <p:cNvPr id="7" name="灯片编号占位符 6">
             <a:extLst>
               <a:ext uri="{FF2B5EF4-FFF2-40B4-BE49-F238E27FC236}">
-                <a16:creationId xmlns:a16="http://schemas.microsoft.com/office/drawing/2014/main" id="{1D5FF9D7-2542-8E11-BD3A-42C7DCBBFCC5}"/>
+                <a16:creationId xmlns:a16="http://schemas.microsoft.com/office/drawing/2014/main" id="{E0DF760C-CBE0-AAA8-E349-7376C0629E28}"/>
               </a:ext>
             </a:extLst>
           </p:cNvPr>
@@ -1450,7 +1450,7 @@
           <a:bodyPr/>
           <a:lstStyle/>
           <a:p>
-            <a:fld id="{DAD419E4-A7F1-4E19-ABEA-FB87B111D958}" type="slidenum">
+            <a:fld id="{951CEDFA-2EB2-4D4D-A0DB-D74394BBAD23}" type="slidenum">
               <a:rPr lang="zh-CN" altLang="en-US" smtClean="0"/>
               <a:t>‹#›</a:t>
             </a:fld>
@@ -1461,7 +1461,7 @@
     </p:spTree>
     <p:extLst>
       <p:ext uri="{BB962C8B-B14F-4D97-AF65-F5344CB8AC3E}">
-        <p14:creationId xmlns:p14="http://schemas.microsoft.com/office/powerpoint/2010/main" val="4065683959"/>
+        <p14:creationId xmlns:p14="http://schemas.microsoft.com/office/powerpoint/2010/main" val="1717770052"/>
       </p:ext>
     </p:extLst>
   </p:cSld>
@@ -1493,7 +1493,7 @@
           <p:cNvPr id="2" name="标题 1">
             <a:extLst>
               <a:ext uri="{FF2B5EF4-FFF2-40B4-BE49-F238E27FC236}">
-                <a16:creationId xmlns:a16="http://schemas.microsoft.com/office/drawing/2014/main" id="{93761CD3-234B-54BD-4D82-4DBB6621583D}"/>
+                <a16:creationId xmlns:a16="http://schemas.microsoft.com/office/drawing/2014/main" id="{EC74D496-6591-3EC7-E0E8-3B44A2F43F30}"/>
               </a:ext>
             </a:extLst>
           </p:cNvPr>
@@ -1526,7 +1526,7 @@
           <p:cNvPr id="3" name="文本占位符 2">
             <a:extLst>
               <a:ext uri="{FF2B5EF4-FFF2-40B4-BE49-F238E27FC236}">
-                <a16:creationId xmlns:a16="http://schemas.microsoft.com/office/drawing/2014/main" id="{D533EA6B-C4A4-F459-EEEA-DDE70AB2EBC8}"/>
+                <a16:creationId xmlns:a16="http://schemas.microsoft.com/office/drawing/2014/main" id="{FB5551F7-248A-9354-2541-FF5710A19DB3}"/>
               </a:ext>
             </a:extLst>
           </p:cNvPr>
@@ -1597,7 +1597,7 @@
           <p:cNvPr id="4" name="内容占位符 3">
             <a:extLst>
               <a:ext uri="{FF2B5EF4-FFF2-40B4-BE49-F238E27FC236}">
-                <a16:creationId xmlns:a16="http://schemas.microsoft.com/office/drawing/2014/main" id="{FE1AA508-E8C4-8DA6-E665-F097D4A3AF40}"/>
+                <a16:creationId xmlns:a16="http://schemas.microsoft.com/office/drawing/2014/main" id="{F4757694-F175-E391-15F1-764298C98B41}"/>
               </a:ext>
             </a:extLst>
           </p:cNvPr>
@@ -1659,7 +1659,7 @@
           <p:cNvPr id="5" name="文本占位符 4">
             <a:extLst>
               <a:ext uri="{FF2B5EF4-FFF2-40B4-BE49-F238E27FC236}">
-                <a16:creationId xmlns:a16="http://schemas.microsoft.com/office/drawing/2014/main" id="{9058A32C-63D8-30E3-D20E-03A2059BA569}"/>
+                <a16:creationId xmlns:a16="http://schemas.microsoft.com/office/drawing/2014/main" id="{322FA5B8-256A-AAF5-A0AA-88F0F4B454E2}"/>
               </a:ext>
             </a:extLst>
           </p:cNvPr>
@@ -1730,7 +1730,7 @@
           <p:cNvPr id="6" name="内容占位符 5">
             <a:extLst>
               <a:ext uri="{FF2B5EF4-FFF2-40B4-BE49-F238E27FC236}">
-                <a16:creationId xmlns:a16="http://schemas.microsoft.com/office/drawing/2014/main" id="{D591C723-4DD2-7E64-FA52-9802AA312B86}"/>
+                <a16:creationId xmlns:a16="http://schemas.microsoft.com/office/drawing/2014/main" id="{DDE8B83C-F94D-7DAE-6F71-BCFB4EA8BE68}"/>
               </a:ext>
             </a:extLst>
           </p:cNvPr>
@@ -1792,7 +1792,7 @@
           <p:cNvPr id="7" name="日期占位符 6">
             <a:extLst>
               <a:ext uri="{FF2B5EF4-FFF2-40B4-BE49-F238E27FC236}">
-                <a16:creationId xmlns:a16="http://schemas.microsoft.com/office/drawing/2014/main" id="{2383EDE1-6EF0-383F-B22D-DD0BE338E9A2}"/>
+                <a16:creationId xmlns:a16="http://schemas.microsoft.com/office/drawing/2014/main" id="{E8C269CB-10F5-2CC8-494A-26FE43381821}"/>
               </a:ext>
             </a:extLst>
           </p:cNvPr>
@@ -1808,7 +1808,7 @@
           <a:bodyPr/>
           <a:lstStyle/>
           <a:p>
-            <a:fld id="{3438E51F-98FD-4F6E-ACBF-8DAC64F478E7}" type="datetimeFigureOut">
+            <a:fld id="{54A779CF-9B85-4C44-B178-D08C0B0C92AC}" type="datetimeFigureOut">
               <a:rPr lang="zh-CN" altLang="en-US" smtClean="0"/>
               <a:t>2024/3/10</a:t>
             </a:fld>
@@ -1821,7 +1821,7 @@
           <p:cNvPr id="8" name="页脚占位符 7">
             <a:extLst>
               <a:ext uri="{FF2B5EF4-FFF2-40B4-BE49-F238E27FC236}">
-                <a16:creationId xmlns:a16="http://schemas.microsoft.com/office/drawing/2014/main" id="{8FF5C7DB-CC51-2228-4935-4819A8EA6181}"/>
+                <a16:creationId xmlns:a16="http://schemas.microsoft.com/office/drawing/2014/main" id="{3FBE010E-626E-3F81-0A4D-B79A68F86E2C}"/>
               </a:ext>
             </a:extLst>
           </p:cNvPr>
@@ -1846,7 +1846,7 @@
           <p:cNvPr id="9" name="灯片编号占位符 8">
             <a:extLst>
               <a:ext uri="{FF2B5EF4-FFF2-40B4-BE49-F238E27FC236}">
-                <a16:creationId xmlns:a16="http://schemas.microsoft.com/office/drawing/2014/main" id="{72A9DC53-5C1E-629A-47EE-56853F4676E0}"/>
+                <a16:creationId xmlns:a16="http://schemas.microsoft.com/office/drawing/2014/main" id="{650F89E9-2B4A-0C47-6D06-3FF9F207EB8A}"/>
               </a:ext>
             </a:extLst>
           </p:cNvPr>
@@ -1862,7 +1862,7 @@
           <a:bodyPr/>
           <a:lstStyle/>
           <a:p>
-            <a:fld id="{DAD419E4-A7F1-4E19-ABEA-FB87B111D958}" type="slidenum">
+            <a:fld id="{951CEDFA-2EB2-4D4D-A0DB-D74394BBAD23}" type="slidenum">
               <a:rPr lang="zh-CN" altLang="en-US" smtClean="0"/>
               <a:t>‹#›</a:t>
             </a:fld>
@@ -1873,7 +1873,7 @@
     </p:spTree>
     <p:extLst>
       <p:ext uri="{BB962C8B-B14F-4D97-AF65-F5344CB8AC3E}">
-        <p14:creationId xmlns:p14="http://schemas.microsoft.com/office/powerpoint/2010/main" val="2123980201"/>
+        <p14:creationId xmlns:p14="http://schemas.microsoft.com/office/powerpoint/2010/main" val="3340899695"/>
       </p:ext>
     </p:extLst>
   </p:cSld>
@@ -1905,7 +1905,7 @@
           <p:cNvPr id="2" name="标题 1">
             <a:extLst>
               <a:ext uri="{FF2B5EF4-FFF2-40B4-BE49-F238E27FC236}">
-                <a16:creationId xmlns:a16="http://schemas.microsoft.com/office/drawing/2014/main" id="{D002C7AD-83B3-AFDE-8D63-4679F9C76E63}"/>
+                <a16:creationId xmlns:a16="http://schemas.microsoft.com/office/drawing/2014/main" id="{8DF6A5CE-B6EB-A70A-63FC-093B2CBB2209}"/>
               </a:ext>
             </a:extLst>
           </p:cNvPr>
@@ -1933,7 +1933,7 @@
           <p:cNvPr id="3" name="日期占位符 2">
             <a:extLst>
               <a:ext uri="{FF2B5EF4-FFF2-40B4-BE49-F238E27FC236}">
-                <a16:creationId xmlns:a16="http://schemas.microsoft.com/office/drawing/2014/main" id="{EC140BEA-43CA-1E6D-0FBB-7D9C3914AC51}"/>
+                <a16:creationId xmlns:a16="http://schemas.microsoft.com/office/drawing/2014/main" id="{736EFF01-A41E-9C7B-FB76-B1E0B0353E7F}"/>
               </a:ext>
             </a:extLst>
           </p:cNvPr>
@@ -1949,7 +1949,7 @@
           <a:bodyPr/>
           <a:lstStyle/>
           <a:p>
-            <a:fld id="{3438E51F-98FD-4F6E-ACBF-8DAC64F478E7}" type="datetimeFigureOut">
+            <a:fld id="{54A779CF-9B85-4C44-B178-D08C0B0C92AC}" type="datetimeFigureOut">
               <a:rPr lang="zh-CN" altLang="en-US" smtClean="0"/>
               <a:t>2024/3/10</a:t>
             </a:fld>
@@ -1962,7 +1962,7 @@
           <p:cNvPr id="4" name="页脚占位符 3">
             <a:extLst>
               <a:ext uri="{FF2B5EF4-FFF2-40B4-BE49-F238E27FC236}">
-                <a16:creationId xmlns:a16="http://schemas.microsoft.com/office/drawing/2014/main" id="{F4A75E58-EC42-5AF7-DF93-C885A1990EED}"/>
+                <a16:creationId xmlns:a16="http://schemas.microsoft.com/office/drawing/2014/main" id="{8A430704-1816-84C2-0ABF-99912024ECD2}"/>
               </a:ext>
             </a:extLst>
           </p:cNvPr>
@@ -1987,7 +1987,7 @@
           <p:cNvPr id="5" name="灯片编号占位符 4">
             <a:extLst>
               <a:ext uri="{FF2B5EF4-FFF2-40B4-BE49-F238E27FC236}">
-                <a16:creationId xmlns:a16="http://schemas.microsoft.com/office/drawing/2014/main" id="{60FA0654-97C6-E1D6-3A5B-855CB22DC93A}"/>
+                <a16:creationId xmlns:a16="http://schemas.microsoft.com/office/drawing/2014/main" id="{98F6B629-FA53-848D-00A2-768121BC720B}"/>
               </a:ext>
             </a:extLst>
           </p:cNvPr>
@@ -2003,7 +2003,7 @@
           <a:bodyPr/>
           <a:lstStyle/>
           <a:p>
-            <a:fld id="{DAD419E4-A7F1-4E19-ABEA-FB87B111D958}" type="slidenum">
+            <a:fld id="{951CEDFA-2EB2-4D4D-A0DB-D74394BBAD23}" type="slidenum">
               <a:rPr lang="zh-CN" altLang="en-US" smtClean="0"/>
               <a:t>‹#›</a:t>
             </a:fld>
@@ -2014,7 +2014,7 @@
     </p:spTree>
     <p:extLst>
       <p:ext uri="{BB962C8B-B14F-4D97-AF65-F5344CB8AC3E}">
-        <p14:creationId xmlns:p14="http://schemas.microsoft.com/office/powerpoint/2010/main" val="3627838385"/>
+        <p14:creationId xmlns:p14="http://schemas.microsoft.com/office/powerpoint/2010/main" val="2712555110"/>
       </p:ext>
     </p:extLst>
   </p:cSld>
@@ -2046,7 +2046,7 @@
           <p:cNvPr id="2" name="日期占位符 1">
             <a:extLst>
               <a:ext uri="{FF2B5EF4-FFF2-40B4-BE49-F238E27FC236}">
-                <a16:creationId xmlns:a16="http://schemas.microsoft.com/office/drawing/2014/main" id="{962F994D-69C7-EB9A-B368-9DCB1A6B8B4E}"/>
+                <a16:creationId xmlns:a16="http://schemas.microsoft.com/office/drawing/2014/main" id="{5EE06CE5-7DBF-0409-BD86-7CFB2E7B6DE8}"/>
               </a:ext>
             </a:extLst>
           </p:cNvPr>
@@ -2062,7 +2062,7 @@
           <a:bodyPr/>
           <a:lstStyle/>
           <a:p>
-            <a:fld id="{3438E51F-98FD-4F6E-ACBF-8DAC64F478E7}" type="datetimeFigureOut">
+            <a:fld id="{54A779CF-9B85-4C44-B178-D08C0B0C92AC}" type="datetimeFigureOut">
               <a:rPr lang="zh-CN" altLang="en-US" smtClean="0"/>
               <a:t>2024/3/10</a:t>
             </a:fld>
@@ -2075,7 +2075,7 @@
           <p:cNvPr id="3" name="页脚占位符 2">
             <a:extLst>
               <a:ext uri="{FF2B5EF4-FFF2-40B4-BE49-F238E27FC236}">
-                <a16:creationId xmlns:a16="http://schemas.microsoft.com/office/drawing/2014/main" id="{2BD79C4E-C259-9C90-8BBB-0A12D77F45F7}"/>
+                <a16:creationId xmlns:a16="http://schemas.microsoft.com/office/drawing/2014/main" id="{A733D738-8248-FFA8-3C31-BD5AA3483380}"/>
               </a:ext>
             </a:extLst>
           </p:cNvPr>
@@ -2100,7 +2100,7 @@
           <p:cNvPr id="4" name="灯片编号占位符 3">
             <a:extLst>
               <a:ext uri="{FF2B5EF4-FFF2-40B4-BE49-F238E27FC236}">
-                <a16:creationId xmlns:a16="http://schemas.microsoft.com/office/drawing/2014/main" id="{367AC07E-7572-0680-F43D-9D9E25CC73B8}"/>
+                <a16:creationId xmlns:a16="http://schemas.microsoft.com/office/drawing/2014/main" id="{57AC64F8-7839-03AF-1BB0-336461A85187}"/>
               </a:ext>
             </a:extLst>
           </p:cNvPr>
@@ -2116,7 +2116,7 @@
           <a:bodyPr/>
           <a:lstStyle/>
           <a:p>
-            <a:fld id="{DAD419E4-A7F1-4E19-ABEA-FB87B111D958}" type="slidenum">
+            <a:fld id="{951CEDFA-2EB2-4D4D-A0DB-D74394BBAD23}" type="slidenum">
               <a:rPr lang="zh-CN" altLang="en-US" smtClean="0"/>
               <a:t>‹#›</a:t>
             </a:fld>
@@ -2127,7 +2127,7 @@
     </p:spTree>
     <p:extLst>
       <p:ext uri="{BB962C8B-B14F-4D97-AF65-F5344CB8AC3E}">
-        <p14:creationId xmlns:p14="http://schemas.microsoft.com/office/powerpoint/2010/main" val="150822196"/>
+        <p14:creationId xmlns:p14="http://schemas.microsoft.com/office/powerpoint/2010/main" val="953876859"/>
       </p:ext>
     </p:extLst>
   </p:cSld>
@@ -2159,7 +2159,7 @@
           <p:cNvPr id="2" name="标题 1">
             <a:extLst>
               <a:ext uri="{FF2B5EF4-FFF2-40B4-BE49-F238E27FC236}">
-                <a16:creationId xmlns:a16="http://schemas.microsoft.com/office/drawing/2014/main" id="{283A8380-CC5A-B3C5-5617-1C561786D4C0}"/>
+                <a16:creationId xmlns:a16="http://schemas.microsoft.com/office/drawing/2014/main" id="{695C0968-93ED-9B7D-F6FA-92577D596D8F}"/>
               </a:ext>
             </a:extLst>
           </p:cNvPr>
@@ -2196,7 +2196,7 @@
           <p:cNvPr id="3" name="内容占位符 2">
             <a:extLst>
               <a:ext uri="{FF2B5EF4-FFF2-40B4-BE49-F238E27FC236}">
-                <a16:creationId xmlns:a16="http://schemas.microsoft.com/office/drawing/2014/main" id="{CAB28B82-A94C-72BB-BB5D-DA9944FAED52}"/>
+                <a16:creationId xmlns:a16="http://schemas.microsoft.com/office/drawing/2014/main" id="{653211CD-F03D-0F2A-8A63-E9770232AB22}"/>
               </a:ext>
             </a:extLst>
           </p:cNvPr>
@@ -2286,7 +2286,7 @@
           <p:cNvPr id="4" name="文本占位符 3">
             <a:extLst>
               <a:ext uri="{FF2B5EF4-FFF2-40B4-BE49-F238E27FC236}">
-                <a16:creationId xmlns:a16="http://schemas.microsoft.com/office/drawing/2014/main" id="{3ED8D8A4-BD7F-19EF-D8E9-089705E90A05}"/>
+                <a16:creationId xmlns:a16="http://schemas.microsoft.com/office/drawing/2014/main" id="{FC3AA3E4-1ED7-216E-DEE3-10C12454494F}"/>
               </a:ext>
             </a:extLst>
           </p:cNvPr>
@@ -2357,7 +2357,7 @@
           <p:cNvPr id="5" name="日期占位符 4">
             <a:extLst>
               <a:ext uri="{FF2B5EF4-FFF2-40B4-BE49-F238E27FC236}">
-                <a16:creationId xmlns:a16="http://schemas.microsoft.com/office/drawing/2014/main" id="{8B2D564F-69A1-C35B-769A-7F92496F29D4}"/>
+                <a16:creationId xmlns:a16="http://schemas.microsoft.com/office/drawing/2014/main" id="{AB7A32A8-7B56-E9E5-6FE6-3A052E46C0D4}"/>
               </a:ext>
             </a:extLst>
           </p:cNvPr>
@@ -2373,7 +2373,7 @@
           <a:bodyPr/>
           <a:lstStyle/>
           <a:p>
-            <a:fld id="{3438E51F-98FD-4F6E-ACBF-8DAC64F478E7}" type="datetimeFigureOut">
+            <a:fld id="{54A779CF-9B85-4C44-B178-D08C0B0C92AC}" type="datetimeFigureOut">
               <a:rPr lang="zh-CN" altLang="en-US" smtClean="0"/>
               <a:t>2024/3/10</a:t>
             </a:fld>
@@ -2386,7 +2386,7 @@
           <p:cNvPr id="6" name="页脚占位符 5">
             <a:extLst>
               <a:ext uri="{FF2B5EF4-FFF2-40B4-BE49-F238E27FC236}">
-                <a16:creationId xmlns:a16="http://schemas.microsoft.com/office/drawing/2014/main" id="{DF26A44C-7A5F-69CD-3004-3A44AF5BD9D6}"/>
+                <a16:creationId xmlns:a16="http://schemas.microsoft.com/office/drawing/2014/main" id="{E645A995-D520-8E3F-FD8D-31671EB9766E}"/>
               </a:ext>
             </a:extLst>
           </p:cNvPr>
@@ -2411,7 +2411,7 @@
           <p:cNvPr id="7" name="灯片编号占位符 6">
             <a:extLst>
               <a:ext uri="{FF2B5EF4-FFF2-40B4-BE49-F238E27FC236}">
-                <a16:creationId xmlns:a16="http://schemas.microsoft.com/office/drawing/2014/main" id="{EC2052C0-839F-16E5-B437-24FC3AB11655}"/>
+                <a16:creationId xmlns:a16="http://schemas.microsoft.com/office/drawing/2014/main" id="{0F8FD7CF-69FC-6EE5-1937-C126E6230651}"/>
               </a:ext>
             </a:extLst>
           </p:cNvPr>
@@ -2427,7 +2427,7 @@
           <a:bodyPr/>
           <a:lstStyle/>
           <a:p>
-            <a:fld id="{DAD419E4-A7F1-4E19-ABEA-FB87B111D958}" type="slidenum">
+            <a:fld id="{951CEDFA-2EB2-4D4D-A0DB-D74394BBAD23}" type="slidenum">
               <a:rPr lang="zh-CN" altLang="en-US" smtClean="0"/>
               <a:t>‹#›</a:t>
             </a:fld>
@@ -2438,7 +2438,7 @@
     </p:spTree>
     <p:extLst>
       <p:ext uri="{BB962C8B-B14F-4D97-AF65-F5344CB8AC3E}">
-        <p14:creationId xmlns:p14="http://schemas.microsoft.com/office/powerpoint/2010/main" val="702045453"/>
+        <p14:creationId xmlns:p14="http://schemas.microsoft.com/office/powerpoint/2010/main" val="2186090172"/>
       </p:ext>
     </p:extLst>
   </p:cSld>
@@ -2470,7 +2470,7 @@
           <p:cNvPr id="2" name="标题 1">
             <a:extLst>
               <a:ext uri="{FF2B5EF4-FFF2-40B4-BE49-F238E27FC236}">
-                <a16:creationId xmlns:a16="http://schemas.microsoft.com/office/drawing/2014/main" id="{AED82712-4D73-6D90-12C1-1BA16A113B48}"/>
+                <a16:creationId xmlns:a16="http://schemas.microsoft.com/office/drawing/2014/main" id="{6D34BB2C-4440-F97B-F2E4-480C6D8E8683}"/>
               </a:ext>
             </a:extLst>
           </p:cNvPr>
@@ -2507,7 +2507,7 @@
           <p:cNvPr id="3" name="图片占位符 2">
             <a:extLst>
               <a:ext uri="{FF2B5EF4-FFF2-40B4-BE49-F238E27FC236}">
-                <a16:creationId xmlns:a16="http://schemas.microsoft.com/office/drawing/2014/main" id="{351B5371-8E21-4A0B-C69C-66E361804D6E}"/>
+                <a16:creationId xmlns:a16="http://schemas.microsoft.com/office/drawing/2014/main" id="{F66FBEBF-859A-1777-6D42-92600B07D3B2}"/>
               </a:ext>
             </a:extLst>
           </p:cNvPr>
@@ -2574,7 +2574,7 @@
           <p:cNvPr id="4" name="文本占位符 3">
             <a:extLst>
               <a:ext uri="{FF2B5EF4-FFF2-40B4-BE49-F238E27FC236}">
-                <a16:creationId xmlns:a16="http://schemas.microsoft.com/office/drawing/2014/main" id="{2D0B1592-C37C-9177-35F0-972C558B1C9E}"/>
+                <a16:creationId xmlns:a16="http://schemas.microsoft.com/office/drawing/2014/main" id="{620DE0D9-F40C-F406-12C9-F511A5C03494}"/>
               </a:ext>
             </a:extLst>
           </p:cNvPr>
@@ -2645,7 +2645,7 @@
           <p:cNvPr id="5" name="日期占位符 4">
             <a:extLst>
               <a:ext uri="{FF2B5EF4-FFF2-40B4-BE49-F238E27FC236}">
-                <a16:creationId xmlns:a16="http://schemas.microsoft.com/office/drawing/2014/main" id="{6ECF2675-A486-424C-75F9-662D125ACC62}"/>
+                <a16:creationId xmlns:a16="http://schemas.microsoft.com/office/drawing/2014/main" id="{F234A756-FF68-EBF2-271E-BBA547CE3FC9}"/>
               </a:ext>
             </a:extLst>
           </p:cNvPr>
@@ -2661,7 +2661,7 @@
           <a:bodyPr/>
           <a:lstStyle/>
           <a:p>
-            <a:fld id="{3438E51F-98FD-4F6E-ACBF-8DAC64F478E7}" type="datetimeFigureOut">
+            <a:fld id="{54A779CF-9B85-4C44-B178-D08C0B0C92AC}" type="datetimeFigureOut">
               <a:rPr lang="zh-CN" altLang="en-US" smtClean="0"/>
               <a:t>2024/3/10</a:t>
             </a:fld>
@@ -2674,7 +2674,7 @@
           <p:cNvPr id="6" name="页脚占位符 5">
             <a:extLst>
               <a:ext uri="{FF2B5EF4-FFF2-40B4-BE49-F238E27FC236}">
-                <a16:creationId xmlns:a16="http://schemas.microsoft.com/office/drawing/2014/main" id="{41585CF7-03E3-F466-3371-3F6965F35A3E}"/>
+                <a16:creationId xmlns:a16="http://schemas.microsoft.com/office/drawing/2014/main" id="{9A8B13AA-C96E-DA1F-99C5-C50DFFDBA153}"/>
               </a:ext>
             </a:extLst>
           </p:cNvPr>
@@ -2699,7 +2699,7 @@
           <p:cNvPr id="7" name="灯片编号占位符 6">
             <a:extLst>
               <a:ext uri="{FF2B5EF4-FFF2-40B4-BE49-F238E27FC236}">
-                <a16:creationId xmlns:a16="http://schemas.microsoft.com/office/drawing/2014/main" id="{36FF5F94-76D9-BB96-4506-9CB7E5F32CC1}"/>
+                <a16:creationId xmlns:a16="http://schemas.microsoft.com/office/drawing/2014/main" id="{370E0E34-E8DD-7DE9-240F-E529225BD1F9}"/>
               </a:ext>
             </a:extLst>
           </p:cNvPr>
@@ -2715,7 +2715,7 @@
           <a:bodyPr/>
           <a:lstStyle/>
           <a:p>
-            <a:fld id="{DAD419E4-A7F1-4E19-ABEA-FB87B111D958}" type="slidenum">
+            <a:fld id="{951CEDFA-2EB2-4D4D-A0DB-D74394BBAD23}" type="slidenum">
               <a:rPr lang="zh-CN" altLang="en-US" smtClean="0"/>
               <a:t>‹#›</a:t>
             </a:fld>
@@ -2726,7 +2726,7 @@
     </p:spTree>
     <p:extLst>
       <p:ext uri="{BB962C8B-B14F-4D97-AF65-F5344CB8AC3E}">
-        <p14:creationId xmlns:p14="http://schemas.microsoft.com/office/powerpoint/2010/main" val="1430869820"/>
+        <p14:creationId xmlns:p14="http://schemas.microsoft.com/office/powerpoint/2010/main" val="4109472391"/>
       </p:ext>
     </p:extLst>
   </p:cSld>
@@ -2763,7 +2763,7 @@
           <p:cNvPr id="2" name="标题占位符 1">
             <a:extLst>
               <a:ext uri="{FF2B5EF4-FFF2-40B4-BE49-F238E27FC236}">
-                <a16:creationId xmlns:a16="http://schemas.microsoft.com/office/drawing/2014/main" id="{76651D38-A53F-5998-3756-286FC81FF681}"/>
+                <a16:creationId xmlns:a16="http://schemas.microsoft.com/office/drawing/2014/main" id="{0143C094-9742-E3EF-5D5F-F62265636177}"/>
               </a:ext>
             </a:extLst>
           </p:cNvPr>
@@ -2801,7 +2801,7 @@
           <p:cNvPr id="3" name="文本占位符 2">
             <a:extLst>
               <a:ext uri="{FF2B5EF4-FFF2-40B4-BE49-F238E27FC236}">
-                <a16:creationId xmlns:a16="http://schemas.microsoft.com/office/drawing/2014/main" id="{D571EB31-4817-923C-5285-7228B46DC73E}"/>
+                <a16:creationId xmlns:a16="http://schemas.microsoft.com/office/drawing/2014/main" id="{B4BB336C-62FD-7365-6543-845A251217A8}"/>
               </a:ext>
             </a:extLst>
           </p:cNvPr>
@@ -2868,7 +2868,7 @@
           <p:cNvPr id="4" name="日期占位符 3">
             <a:extLst>
               <a:ext uri="{FF2B5EF4-FFF2-40B4-BE49-F238E27FC236}">
-                <a16:creationId xmlns:a16="http://schemas.microsoft.com/office/drawing/2014/main" id="{5DE69E1A-2B42-F2C1-CE6F-6690C424936C}"/>
+                <a16:creationId xmlns:a16="http://schemas.microsoft.com/office/drawing/2014/main" id="{75AE4FA1-E772-3DEA-F57E-F6DA07E0554C}"/>
               </a:ext>
             </a:extLst>
           </p:cNvPr>
@@ -2902,7 +2902,7 @@
             </a:lvl1pPr>
           </a:lstStyle>
           <a:p>
-            <a:fld id="{3438E51F-98FD-4F6E-ACBF-8DAC64F478E7}" type="datetimeFigureOut">
+            <a:fld id="{54A779CF-9B85-4C44-B178-D08C0B0C92AC}" type="datetimeFigureOut">
               <a:rPr lang="zh-CN" altLang="en-US" smtClean="0"/>
               <a:t>2024/3/10</a:t>
             </a:fld>
@@ -2915,7 +2915,7 @@
           <p:cNvPr id="5" name="页脚占位符 4">
             <a:extLst>
               <a:ext uri="{FF2B5EF4-FFF2-40B4-BE49-F238E27FC236}">
-                <a16:creationId xmlns:a16="http://schemas.microsoft.com/office/drawing/2014/main" id="{FD20F609-310A-5217-6435-03C95D107736}"/>
+                <a16:creationId xmlns:a16="http://schemas.microsoft.com/office/drawing/2014/main" id="{1017D4D9-20FE-4761-517D-DB671AE7CAFF}"/>
               </a:ext>
             </a:extLst>
           </p:cNvPr>
@@ -2958,7 +2958,7 @@
           <p:cNvPr id="6" name="灯片编号占位符 5">
             <a:extLst>
               <a:ext uri="{FF2B5EF4-FFF2-40B4-BE49-F238E27FC236}">
-                <a16:creationId xmlns:a16="http://schemas.microsoft.com/office/drawing/2014/main" id="{081BA591-D9C1-13D0-EF9E-AE0DBA806CB6}"/>
+                <a16:creationId xmlns:a16="http://schemas.microsoft.com/office/drawing/2014/main" id="{E9C561EF-996B-FE0D-42B5-DA229E59DADD}"/>
               </a:ext>
             </a:extLst>
           </p:cNvPr>
@@ -2992,7 +2992,7 @@
             </a:lvl1pPr>
           </a:lstStyle>
           <a:p>
-            <a:fld id="{DAD419E4-A7F1-4E19-ABEA-FB87B111D958}" type="slidenum">
+            <a:fld id="{951CEDFA-2EB2-4D4D-A0DB-D74394BBAD23}" type="slidenum">
               <a:rPr lang="zh-CN" altLang="en-US" smtClean="0"/>
               <a:t>‹#›</a:t>
             </a:fld>
@@ -3003,7 +3003,7 @@
     </p:spTree>
     <p:extLst>
       <p:ext uri="{BB962C8B-B14F-4D97-AF65-F5344CB8AC3E}">
-        <p14:creationId xmlns:p14="http://schemas.microsoft.com/office/powerpoint/2010/main" val="3973922615"/>
+        <p14:creationId xmlns:p14="http://schemas.microsoft.com/office/powerpoint/2010/main" val="2150350925"/>
       </p:ext>
     </p:extLst>
   </p:cSld>
@@ -3323,7 +3323,7 @@
       </p:grpSpPr>
       <p:pic>
         <p:nvPicPr>
-          <p:cNvPr id="1395714" name="Picture 2" descr="1362"/>
+          <p:cNvPr id="1396738" name="Picture 2" descr="1363"/>
           <p:cNvPicPr>
             <a:picLocks noChangeAspect="1" noChangeArrowheads="1"/>
           </p:cNvPicPr>
@@ -3344,8 +3344,8 @@
         </p:blipFill>
         <p:spPr bwMode="auto">
           <a:xfrm>
-            <a:off x="1524000" y="0"/>
-            <a:ext cx="9144000" cy="6858000"/>
+            <a:off x="1524000" y="1"/>
+            <a:ext cx="9144000" cy="4221163"/>
           </a:xfrm>
           <a:prstGeom prst="rect">
             <a:avLst/>
